--- a/ppt 16-9/1230.谢恩歌.pptx
+++ b/ppt 16-9/1230.谢恩歌.pptx
@@ -5,7 +5,7 @@
     <p:sldMasterId id="2147483648" r:id="rId1"/>
   </p:sldMasterIdLst>
   <p:sldIdLst>
-    <p:sldId id="765" r:id="rId2"/>
+    <p:sldId id="767" r:id="rId2"/>
   </p:sldIdLst>
   <p:sldSz cx="12192000" cy="6858000"/>
   <p:notesSz cx="6858000" cy="9144000"/>
@@ -129,7 +129,7 @@
           <p:cNvPr id="2" name="标题 1">
             <a:extLst>
               <a:ext uri="{FF2B5EF4-FFF2-40B4-BE49-F238E27FC236}">
-                <a16:creationId xmlns:a16="http://schemas.microsoft.com/office/drawing/2014/main" id="{6EFC87AA-E7C3-E4FB-B61A-2FF0CBB215A2}"/>
+                <a16:creationId xmlns:a16="http://schemas.microsoft.com/office/drawing/2014/main" id="{F29C3269-94BD-C44D-F06F-3B972F1912B5}"/>
               </a:ext>
             </a:extLst>
           </p:cNvPr>
@@ -166,7 +166,7 @@
           <p:cNvPr id="3" name="副标题 2">
             <a:extLst>
               <a:ext uri="{FF2B5EF4-FFF2-40B4-BE49-F238E27FC236}">
-                <a16:creationId xmlns:a16="http://schemas.microsoft.com/office/drawing/2014/main" id="{11A712D8-7B99-A12E-5205-873E0465307A}"/>
+                <a16:creationId xmlns:a16="http://schemas.microsoft.com/office/drawing/2014/main" id="{B0D08B50-A603-47C2-27E9-B40C6457195C}"/>
               </a:ext>
             </a:extLst>
           </p:cNvPr>
@@ -236,7 +236,7 @@
           <p:cNvPr id="4" name="日期占位符 3">
             <a:extLst>
               <a:ext uri="{FF2B5EF4-FFF2-40B4-BE49-F238E27FC236}">
-                <a16:creationId xmlns:a16="http://schemas.microsoft.com/office/drawing/2014/main" id="{F5EDD7B0-1E45-39A7-AB40-01D4AA42C3BF}"/>
+                <a16:creationId xmlns:a16="http://schemas.microsoft.com/office/drawing/2014/main" id="{42508C15-D824-9B5C-B96E-BE25EEAF97B4}"/>
               </a:ext>
             </a:extLst>
           </p:cNvPr>
@@ -252,7 +252,7 @@
           <a:bodyPr/>
           <a:lstStyle/>
           <a:p>
-            <a:fld id="{3B9E55E3-4CB5-4C1E-B1BE-E2B896B461DB}" type="datetimeFigureOut">
+            <a:fld id="{E20BA0A3-E295-48F5-8A8A-CE46357BB450}" type="datetimeFigureOut">
               <a:rPr lang="zh-CN" altLang="en-US" smtClean="0"/>
               <a:t>2024/3/10</a:t>
             </a:fld>
@@ -265,7 +265,7 @@
           <p:cNvPr id="5" name="页脚占位符 4">
             <a:extLst>
               <a:ext uri="{FF2B5EF4-FFF2-40B4-BE49-F238E27FC236}">
-                <a16:creationId xmlns:a16="http://schemas.microsoft.com/office/drawing/2014/main" id="{88D22211-D965-2779-70A6-BC4E8FE6C343}"/>
+                <a16:creationId xmlns:a16="http://schemas.microsoft.com/office/drawing/2014/main" id="{1DC4419E-1BD9-16B0-3083-9718AADA2AC8}"/>
               </a:ext>
             </a:extLst>
           </p:cNvPr>
@@ -290,7 +290,7 @@
           <p:cNvPr id="6" name="灯片编号占位符 5">
             <a:extLst>
               <a:ext uri="{FF2B5EF4-FFF2-40B4-BE49-F238E27FC236}">
-                <a16:creationId xmlns:a16="http://schemas.microsoft.com/office/drawing/2014/main" id="{0A53346E-0124-23C8-E631-DBAD872E628D}"/>
+                <a16:creationId xmlns:a16="http://schemas.microsoft.com/office/drawing/2014/main" id="{E04B6044-D0C3-17B9-5158-5399BA2EF4A2}"/>
               </a:ext>
             </a:extLst>
           </p:cNvPr>
@@ -306,7 +306,7 @@
           <a:bodyPr/>
           <a:lstStyle/>
           <a:p>
-            <a:fld id="{DFABE018-A77E-4AC3-8CCD-BF3B7B1A0ED1}" type="slidenum">
+            <a:fld id="{4976C1EA-C1E1-4803-98B4-EDE5CB4E9A3B}" type="slidenum">
               <a:rPr lang="zh-CN" altLang="en-US" smtClean="0"/>
               <a:t>‹#›</a:t>
             </a:fld>
@@ -317,7 +317,7 @@
     </p:spTree>
     <p:extLst>
       <p:ext uri="{BB962C8B-B14F-4D97-AF65-F5344CB8AC3E}">
-        <p14:creationId xmlns:p14="http://schemas.microsoft.com/office/powerpoint/2010/main" val="3695442896"/>
+        <p14:creationId xmlns:p14="http://schemas.microsoft.com/office/powerpoint/2010/main" val="2955440234"/>
       </p:ext>
     </p:extLst>
   </p:cSld>
@@ -349,7 +349,7 @@
           <p:cNvPr id="2" name="标题 1">
             <a:extLst>
               <a:ext uri="{FF2B5EF4-FFF2-40B4-BE49-F238E27FC236}">
-                <a16:creationId xmlns:a16="http://schemas.microsoft.com/office/drawing/2014/main" id="{3AD5A821-B705-A8A4-4645-A019D72B9301}"/>
+                <a16:creationId xmlns:a16="http://schemas.microsoft.com/office/drawing/2014/main" id="{5E9F465D-C780-EF45-89EA-7D946C213DA2}"/>
               </a:ext>
             </a:extLst>
           </p:cNvPr>
@@ -377,7 +377,7 @@
           <p:cNvPr id="3" name="竖排文字占位符 2">
             <a:extLst>
               <a:ext uri="{FF2B5EF4-FFF2-40B4-BE49-F238E27FC236}">
-                <a16:creationId xmlns:a16="http://schemas.microsoft.com/office/drawing/2014/main" id="{4C539D55-4EB9-640F-FE95-AFBE3EDB2544}"/>
+                <a16:creationId xmlns:a16="http://schemas.microsoft.com/office/drawing/2014/main" id="{317CCA23-2EA8-5A1D-2862-203EABD5497F}"/>
               </a:ext>
             </a:extLst>
           </p:cNvPr>
@@ -434,7 +434,7 @@
           <p:cNvPr id="4" name="日期占位符 3">
             <a:extLst>
               <a:ext uri="{FF2B5EF4-FFF2-40B4-BE49-F238E27FC236}">
-                <a16:creationId xmlns:a16="http://schemas.microsoft.com/office/drawing/2014/main" id="{1B3B7D72-C731-71C0-9017-DEB1F7CCA202}"/>
+                <a16:creationId xmlns:a16="http://schemas.microsoft.com/office/drawing/2014/main" id="{D383F661-AEE4-7DE2-F034-EE31C4A8C77F}"/>
               </a:ext>
             </a:extLst>
           </p:cNvPr>
@@ -450,7 +450,7 @@
           <a:bodyPr/>
           <a:lstStyle/>
           <a:p>
-            <a:fld id="{3B9E55E3-4CB5-4C1E-B1BE-E2B896B461DB}" type="datetimeFigureOut">
+            <a:fld id="{E20BA0A3-E295-48F5-8A8A-CE46357BB450}" type="datetimeFigureOut">
               <a:rPr lang="zh-CN" altLang="en-US" smtClean="0"/>
               <a:t>2024/3/10</a:t>
             </a:fld>
@@ -463,7 +463,7 @@
           <p:cNvPr id="5" name="页脚占位符 4">
             <a:extLst>
               <a:ext uri="{FF2B5EF4-FFF2-40B4-BE49-F238E27FC236}">
-                <a16:creationId xmlns:a16="http://schemas.microsoft.com/office/drawing/2014/main" id="{07D1320B-2992-4D1D-BBB3-C0FADC1F95FB}"/>
+                <a16:creationId xmlns:a16="http://schemas.microsoft.com/office/drawing/2014/main" id="{5399D137-0F74-C85F-93C3-AED463D2A255}"/>
               </a:ext>
             </a:extLst>
           </p:cNvPr>
@@ -488,7 +488,7 @@
           <p:cNvPr id="6" name="灯片编号占位符 5">
             <a:extLst>
               <a:ext uri="{FF2B5EF4-FFF2-40B4-BE49-F238E27FC236}">
-                <a16:creationId xmlns:a16="http://schemas.microsoft.com/office/drawing/2014/main" id="{F0C4C3D7-4DC8-448B-F7E5-38896553B67F}"/>
+                <a16:creationId xmlns:a16="http://schemas.microsoft.com/office/drawing/2014/main" id="{250819A8-89B1-91E7-E31C-DF354D7FB317}"/>
               </a:ext>
             </a:extLst>
           </p:cNvPr>
@@ -504,7 +504,7 @@
           <a:bodyPr/>
           <a:lstStyle/>
           <a:p>
-            <a:fld id="{DFABE018-A77E-4AC3-8CCD-BF3B7B1A0ED1}" type="slidenum">
+            <a:fld id="{4976C1EA-C1E1-4803-98B4-EDE5CB4E9A3B}" type="slidenum">
               <a:rPr lang="zh-CN" altLang="en-US" smtClean="0"/>
               <a:t>‹#›</a:t>
             </a:fld>
@@ -515,7 +515,7 @@
     </p:spTree>
     <p:extLst>
       <p:ext uri="{BB962C8B-B14F-4D97-AF65-F5344CB8AC3E}">
-        <p14:creationId xmlns:p14="http://schemas.microsoft.com/office/powerpoint/2010/main" val="2008579961"/>
+        <p14:creationId xmlns:p14="http://schemas.microsoft.com/office/powerpoint/2010/main" val="1200722772"/>
       </p:ext>
     </p:extLst>
   </p:cSld>
@@ -547,7 +547,7 @@
           <p:cNvPr id="2" name="竖排标题 1">
             <a:extLst>
               <a:ext uri="{FF2B5EF4-FFF2-40B4-BE49-F238E27FC236}">
-                <a16:creationId xmlns:a16="http://schemas.microsoft.com/office/drawing/2014/main" id="{84F04549-5249-D2C6-C3F4-127A5A8CDB1B}"/>
+                <a16:creationId xmlns:a16="http://schemas.microsoft.com/office/drawing/2014/main" id="{67B17D7A-263D-D039-5CF6-3CDA411B2F94}"/>
               </a:ext>
             </a:extLst>
           </p:cNvPr>
@@ -580,7 +580,7 @@
           <p:cNvPr id="3" name="竖排文字占位符 2">
             <a:extLst>
               <a:ext uri="{FF2B5EF4-FFF2-40B4-BE49-F238E27FC236}">
-                <a16:creationId xmlns:a16="http://schemas.microsoft.com/office/drawing/2014/main" id="{FB2A262F-B35D-4EBE-369D-D432600F103A}"/>
+                <a16:creationId xmlns:a16="http://schemas.microsoft.com/office/drawing/2014/main" id="{639EC1F8-CF5C-96D2-F151-9D7C9D3A4D07}"/>
               </a:ext>
             </a:extLst>
           </p:cNvPr>
@@ -642,7 +642,7 @@
           <p:cNvPr id="4" name="日期占位符 3">
             <a:extLst>
               <a:ext uri="{FF2B5EF4-FFF2-40B4-BE49-F238E27FC236}">
-                <a16:creationId xmlns:a16="http://schemas.microsoft.com/office/drawing/2014/main" id="{1A5F8B7A-65D5-D9C4-4DB5-BB68C21F8BB2}"/>
+                <a16:creationId xmlns:a16="http://schemas.microsoft.com/office/drawing/2014/main" id="{8337A8BE-391E-E318-38C0-3E896D2D7A7E}"/>
               </a:ext>
             </a:extLst>
           </p:cNvPr>
@@ -658,7 +658,7 @@
           <a:bodyPr/>
           <a:lstStyle/>
           <a:p>
-            <a:fld id="{3B9E55E3-4CB5-4C1E-B1BE-E2B896B461DB}" type="datetimeFigureOut">
+            <a:fld id="{E20BA0A3-E295-48F5-8A8A-CE46357BB450}" type="datetimeFigureOut">
               <a:rPr lang="zh-CN" altLang="en-US" smtClean="0"/>
               <a:t>2024/3/10</a:t>
             </a:fld>
@@ -671,7 +671,7 @@
           <p:cNvPr id="5" name="页脚占位符 4">
             <a:extLst>
               <a:ext uri="{FF2B5EF4-FFF2-40B4-BE49-F238E27FC236}">
-                <a16:creationId xmlns:a16="http://schemas.microsoft.com/office/drawing/2014/main" id="{69FA8BA7-9300-2C39-CF46-35563A077097}"/>
+                <a16:creationId xmlns:a16="http://schemas.microsoft.com/office/drawing/2014/main" id="{877697CD-9616-6679-4127-537FD668A142}"/>
               </a:ext>
             </a:extLst>
           </p:cNvPr>
@@ -696,7 +696,7 @@
           <p:cNvPr id="6" name="灯片编号占位符 5">
             <a:extLst>
               <a:ext uri="{FF2B5EF4-FFF2-40B4-BE49-F238E27FC236}">
-                <a16:creationId xmlns:a16="http://schemas.microsoft.com/office/drawing/2014/main" id="{A253B52E-97B4-5FFE-31F4-D0B839032096}"/>
+                <a16:creationId xmlns:a16="http://schemas.microsoft.com/office/drawing/2014/main" id="{3905B1C8-2246-7F3F-9380-E82703348565}"/>
               </a:ext>
             </a:extLst>
           </p:cNvPr>
@@ -712,7 +712,7 @@
           <a:bodyPr/>
           <a:lstStyle/>
           <a:p>
-            <a:fld id="{DFABE018-A77E-4AC3-8CCD-BF3B7B1A0ED1}" type="slidenum">
+            <a:fld id="{4976C1EA-C1E1-4803-98B4-EDE5CB4E9A3B}" type="slidenum">
               <a:rPr lang="zh-CN" altLang="en-US" smtClean="0"/>
               <a:t>‹#›</a:t>
             </a:fld>
@@ -723,7 +723,7 @@
     </p:spTree>
     <p:extLst>
       <p:ext uri="{BB962C8B-B14F-4D97-AF65-F5344CB8AC3E}">
-        <p14:creationId xmlns:p14="http://schemas.microsoft.com/office/powerpoint/2010/main" val="299084462"/>
+        <p14:creationId xmlns:p14="http://schemas.microsoft.com/office/powerpoint/2010/main" val="2323371624"/>
       </p:ext>
     </p:extLst>
   </p:cSld>
@@ -755,7 +755,7 @@
           <p:cNvPr id="2" name="标题 1">
             <a:extLst>
               <a:ext uri="{FF2B5EF4-FFF2-40B4-BE49-F238E27FC236}">
-                <a16:creationId xmlns:a16="http://schemas.microsoft.com/office/drawing/2014/main" id="{900659A1-58C8-3425-744B-5E3A2A1A4362}"/>
+                <a16:creationId xmlns:a16="http://schemas.microsoft.com/office/drawing/2014/main" id="{2537A5B2-E651-EB4D-30B6-E074E29DF634}"/>
               </a:ext>
             </a:extLst>
           </p:cNvPr>
@@ -783,7 +783,7 @@
           <p:cNvPr id="3" name="内容占位符 2">
             <a:extLst>
               <a:ext uri="{FF2B5EF4-FFF2-40B4-BE49-F238E27FC236}">
-                <a16:creationId xmlns:a16="http://schemas.microsoft.com/office/drawing/2014/main" id="{4B91B0B6-875C-98ED-25AB-329365799D5A}"/>
+                <a16:creationId xmlns:a16="http://schemas.microsoft.com/office/drawing/2014/main" id="{ECB0B85E-0155-C5A4-051D-0FF9FEE6BAFF}"/>
               </a:ext>
             </a:extLst>
           </p:cNvPr>
@@ -840,7 +840,7 @@
           <p:cNvPr id="4" name="日期占位符 3">
             <a:extLst>
               <a:ext uri="{FF2B5EF4-FFF2-40B4-BE49-F238E27FC236}">
-                <a16:creationId xmlns:a16="http://schemas.microsoft.com/office/drawing/2014/main" id="{7182B57F-D26E-49C7-DAA8-3C06264EAAE0}"/>
+                <a16:creationId xmlns:a16="http://schemas.microsoft.com/office/drawing/2014/main" id="{26DD64E5-FA05-F1A5-254B-8266F43936D1}"/>
               </a:ext>
             </a:extLst>
           </p:cNvPr>
@@ -856,7 +856,7 @@
           <a:bodyPr/>
           <a:lstStyle/>
           <a:p>
-            <a:fld id="{3B9E55E3-4CB5-4C1E-B1BE-E2B896B461DB}" type="datetimeFigureOut">
+            <a:fld id="{E20BA0A3-E295-48F5-8A8A-CE46357BB450}" type="datetimeFigureOut">
               <a:rPr lang="zh-CN" altLang="en-US" smtClean="0"/>
               <a:t>2024/3/10</a:t>
             </a:fld>
@@ -869,7 +869,7 @@
           <p:cNvPr id="5" name="页脚占位符 4">
             <a:extLst>
               <a:ext uri="{FF2B5EF4-FFF2-40B4-BE49-F238E27FC236}">
-                <a16:creationId xmlns:a16="http://schemas.microsoft.com/office/drawing/2014/main" id="{E5475E45-95F0-CE4B-E5AE-894BB0E33AA2}"/>
+                <a16:creationId xmlns:a16="http://schemas.microsoft.com/office/drawing/2014/main" id="{2EE5CBEB-E2D5-8D91-2241-D1996516E464}"/>
               </a:ext>
             </a:extLst>
           </p:cNvPr>
@@ -894,7 +894,7 @@
           <p:cNvPr id="6" name="灯片编号占位符 5">
             <a:extLst>
               <a:ext uri="{FF2B5EF4-FFF2-40B4-BE49-F238E27FC236}">
-                <a16:creationId xmlns:a16="http://schemas.microsoft.com/office/drawing/2014/main" id="{68BEBFD4-9B18-A7C1-C349-7C3641B6E5E9}"/>
+                <a16:creationId xmlns:a16="http://schemas.microsoft.com/office/drawing/2014/main" id="{D5E8EC2E-AA5F-0A0D-FD40-F8C87A976B54}"/>
               </a:ext>
             </a:extLst>
           </p:cNvPr>
@@ -910,7 +910,7 @@
           <a:bodyPr/>
           <a:lstStyle/>
           <a:p>
-            <a:fld id="{DFABE018-A77E-4AC3-8CCD-BF3B7B1A0ED1}" type="slidenum">
+            <a:fld id="{4976C1EA-C1E1-4803-98B4-EDE5CB4E9A3B}" type="slidenum">
               <a:rPr lang="zh-CN" altLang="en-US" smtClean="0"/>
               <a:t>‹#›</a:t>
             </a:fld>
@@ -921,7 +921,7 @@
     </p:spTree>
     <p:extLst>
       <p:ext uri="{BB962C8B-B14F-4D97-AF65-F5344CB8AC3E}">
-        <p14:creationId xmlns:p14="http://schemas.microsoft.com/office/powerpoint/2010/main" val="1564352654"/>
+        <p14:creationId xmlns:p14="http://schemas.microsoft.com/office/powerpoint/2010/main" val="1262766469"/>
       </p:ext>
     </p:extLst>
   </p:cSld>
@@ -953,7 +953,7 @@
           <p:cNvPr id="2" name="标题 1">
             <a:extLst>
               <a:ext uri="{FF2B5EF4-FFF2-40B4-BE49-F238E27FC236}">
-                <a16:creationId xmlns:a16="http://schemas.microsoft.com/office/drawing/2014/main" id="{412DBD2E-F1AA-1D7E-34AB-F594EF74FF7D}"/>
+                <a16:creationId xmlns:a16="http://schemas.microsoft.com/office/drawing/2014/main" id="{1A25B82A-14B4-60D9-C26D-D3D39D9D933C}"/>
               </a:ext>
             </a:extLst>
           </p:cNvPr>
@@ -990,7 +990,7 @@
           <p:cNvPr id="3" name="文本占位符 2">
             <a:extLst>
               <a:ext uri="{FF2B5EF4-FFF2-40B4-BE49-F238E27FC236}">
-                <a16:creationId xmlns:a16="http://schemas.microsoft.com/office/drawing/2014/main" id="{B69AEFD1-E35A-C241-E311-9353E2DE28AB}"/>
+                <a16:creationId xmlns:a16="http://schemas.microsoft.com/office/drawing/2014/main" id="{483BC335-5F0E-87E3-EA88-E8D2C7A53F03}"/>
               </a:ext>
             </a:extLst>
           </p:cNvPr>
@@ -1115,7 +1115,7 @@
           <p:cNvPr id="4" name="日期占位符 3">
             <a:extLst>
               <a:ext uri="{FF2B5EF4-FFF2-40B4-BE49-F238E27FC236}">
-                <a16:creationId xmlns:a16="http://schemas.microsoft.com/office/drawing/2014/main" id="{3870BB1D-3AB5-79E2-B76C-78B3BFEA5999}"/>
+                <a16:creationId xmlns:a16="http://schemas.microsoft.com/office/drawing/2014/main" id="{E8F9B200-FB58-D2BA-B2A9-76EEB8CCB1DB}"/>
               </a:ext>
             </a:extLst>
           </p:cNvPr>
@@ -1131,7 +1131,7 @@
           <a:bodyPr/>
           <a:lstStyle/>
           <a:p>
-            <a:fld id="{3B9E55E3-4CB5-4C1E-B1BE-E2B896B461DB}" type="datetimeFigureOut">
+            <a:fld id="{E20BA0A3-E295-48F5-8A8A-CE46357BB450}" type="datetimeFigureOut">
               <a:rPr lang="zh-CN" altLang="en-US" smtClean="0"/>
               <a:t>2024/3/10</a:t>
             </a:fld>
@@ -1144,7 +1144,7 @@
           <p:cNvPr id="5" name="页脚占位符 4">
             <a:extLst>
               <a:ext uri="{FF2B5EF4-FFF2-40B4-BE49-F238E27FC236}">
-                <a16:creationId xmlns:a16="http://schemas.microsoft.com/office/drawing/2014/main" id="{DEBCB163-2807-AFEA-E1AD-51DF6136DAB6}"/>
+                <a16:creationId xmlns:a16="http://schemas.microsoft.com/office/drawing/2014/main" id="{B551E42E-2244-C00C-4DDE-738E3127D04C}"/>
               </a:ext>
             </a:extLst>
           </p:cNvPr>
@@ -1169,7 +1169,7 @@
           <p:cNvPr id="6" name="灯片编号占位符 5">
             <a:extLst>
               <a:ext uri="{FF2B5EF4-FFF2-40B4-BE49-F238E27FC236}">
-                <a16:creationId xmlns:a16="http://schemas.microsoft.com/office/drawing/2014/main" id="{2C170919-659D-6D88-1D72-49A9A017E39C}"/>
+                <a16:creationId xmlns:a16="http://schemas.microsoft.com/office/drawing/2014/main" id="{F79BB714-5BD9-CC24-4FC9-899403F15B18}"/>
               </a:ext>
             </a:extLst>
           </p:cNvPr>
@@ -1185,7 +1185,7 @@
           <a:bodyPr/>
           <a:lstStyle/>
           <a:p>
-            <a:fld id="{DFABE018-A77E-4AC3-8CCD-BF3B7B1A0ED1}" type="slidenum">
+            <a:fld id="{4976C1EA-C1E1-4803-98B4-EDE5CB4E9A3B}" type="slidenum">
               <a:rPr lang="zh-CN" altLang="en-US" smtClean="0"/>
               <a:t>‹#›</a:t>
             </a:fld>
@@ -1196,7 +1196,7 @@
     </p:spTree>
     <p:extLst>
       <p:ext uri="{BB962C8B-B14F-4D97-AF65-F5344CB8AC3E}">
-        <p14:creationId xmlns:p14="http://schemas.microsoft.com/office/powerpoint/2010/main" val="562105392"/>
+        <p14:creationId xmlns:p14="http://schemas.microsoft.com/office/powerpoint/2010/main" val="841891541"/>
       </p:ext>
     </p:extLst>
   </p:cSld>
@@ -1228,7 +1228,7 @@
           <p:cNvPr id="2" name="标题 1">
             <a:extLst>
               <a:ext uri="{FF2B5EF4-FFF2-40B4-BE49-F238E27FC236}">
-                <a16:creationId xmlns:a16="http://schemas.microsoft.com/office/drawing/2014/main" id="{0381E131-3178-5CFC-43FB-03C891E2D7A3}"/>
+                <a16:creationId xmlns:a16="http://schemas.microsoft.com/office/drawing/2014/main" id="{82F6BB8C-6677-46DB-680C-8C38BAEFE22C}"/>
               </a:ext>
             </a:extLst>
           </p:cNvPr>
@@ -1256,7 +1256,7 @@
           <p:cNvPr id="3" name="内容占位符 2">
             <a:extLst>
               <a:ext uri="{FF2B5EF4-FFF2-40B4-BE49-F238E27FC236}">
-                <a16:creationId xmlns:a16="http://schemas.microsoft.com/office/drawing/2014/main" id="{888605AA-DA16-A1F7-E030-8E46CE4309AF}"/>
+                <a16:creationId xmlns:a16="http://schemas.microsoft.com/office/drawing/2014/main" id="{5FF4089F-8105-C844-988D-7F4A9163A5FD}"/>
               </a:ext>
             </a:extLst>
           </p:cNvPr>
@@ -1318,7 +1318,7 @@
           <p:cNvPr id="4" name="内容占位符 3">
             <a:extLst>
               <a:ext uri="{FF2B5EF4-FFF2-40B4-BE49-F238E27FC236}">
-                <a16:creationId xmlns:a16="http://schemas.microsoft.com/office/drawing/2014/main" id="{A39508C5-4D20-16BE-61D1-CB933F2D8A47}"/>
+                <a16:creationId xmlns:a16="http://schemas.microsoft.com/office/drawing/2014/main" id="{D8B39268-EF48-9666-2F20-A71D87AD5F55}"/>
               </a:ext>
             </a:extLst>
           </p:cNvPr>
@@ -1380,7 +1380,7 @@
           <p:cNvPr id="5" name="日期占位符 4">
             <a:extLst>
               <a:ext uri="{FF2B5EF4-FFF2-40B4-BE49-F238E27FC236}">
-                <a16:creationId xmlns:a16="http://schemas.microsoft.com/office/drawing/2014/main" id="{409B18CF-723C-A4AE-1445-2C65A498F10D}"/>
+                <a16:creationId xmlns:a16="http://schemas.microsoft.com/office/drawing/2014/main" id="{2641B842-11A4-FD10-DF46-CC24285C5F30}"/>
               </a:ext>
             </a:extLst>
           </p:cNvPr>
@@ -1396,7 +1396,7 @@
           <a:bodyPr/>
           <a:lstStyle/>
           <a:p>
-            <a:fld id="{3B9E55E3-4CB5-4C1E-B1BE-E2B896B461DB}" type="datetimeFigureOut">
+            <a:fld id="{E20BA0A3-E295-48F5-8A8A-CE46357BB450}" type="datetimeFigureOut">
               <a:rPr lang="zh-CN" altLang="en-US" smtClean="0"/>
               <a:t>2024/3/10</a:t>
             </a:fld>
@@ -1409,7 +1409,7 @@
           <p:cNvPr id="6" name="页脚占位符 5">
             <a:extLst>
               <a:ext uri="{FF2B5EF4-FFF2-40B4-BE49-F238E27FC236}">
-                <a16:creationId xmlns:a16="http://schemas.microsoft.com/office/drawing/2014/main" id="{35ACC68B-76BA-6DC9-6104-AB28D64D4EF5}"/>
+                <a16:creationId xmlns:a16="http://schemas.microsoft.com/office/drawing/2014/main" id="{0304BECF-95A7-90BA-33E6-B89FD01AA539}"/>
               </a:ext>
             </a:extLst>
           </p:cNvPr>
@@ -1434,7 +1434,7 @@
           <p:cNvPr id="7" name="灯片编号占位符 6">
             <a:extLst>
               <a:ext uri="{FF2B5EF4-FFF2-40B4-BE49-F238E27FC236}">
-                <a16:creationId xmlns:a16="http://schemas.microsoft.com/office/drawing/2014/main" id="{655872A6-F59D-20CD-0A41-B9BC52BD582C}"/>
+                <a16:creationId xmlns:a16="http://schemas.microsoft.com/office/drawing/2014/main" id="{581E5F40-6AA3-5F6E-45ED-01E7EB99CDC4}"/>
               </a:ext>
             </a:extLst>
           </p:cNvPr>
@@ -1450,7 +1450,7 @@
           <a:bodyPr/>
           <a:lstStyle/>
           <a:p>
-            <a:fld id="{DFABE018-A77E-4AC3-8CCD-BF3B7B1A0ED1}" type="slidenum">
+            <a:fld id="{4976C1EA-C1E1-4803-98B4-EDE5CB4E9A3B}" type="slidenum">
               <a:rPr lang="zh-CN" altLang="en-US" smtClean="0"/>
               <a:t>‹#›</a:t>
             </a:fld>
@@ -1461,7 +1461,7 @@
     </p:spTree>
     <p:extLst>
       <p:ext uri="{BB962C8B-B14F-4D97-AF65-F5344CB8AC3E}">
-        <p14:creationId xmlns:p14="http://schemas.microsoft.com/office/powerpoint/2010/main" val="530665518"/>
+        <p14:creationId xmlns:p14="http://schemas.microsoft.com/office/powerpoint/2010/main" val="2058782831"/>
       </p:ext>
     </p:extLst>
   </p:cSld>
@@ -1493,7 +1493,7 @@
           <p:cNvPr id="2" name="标题 1">
             <a:extLst>
               <a:ext uri="{FF2B5EF4-FFF2-40B4-BE49-F238E27FC236}">
-                <a16:creationId xmlns:a16="http://schemas.microsoft.com/office/drawing/2014/main" id="{6D0391CE-DE8A-EFA1-2839-BC529D9852C9}"/>
+                <a16:creationId xmlns:a16="http://schemas.microsoft.com/office/drawing/2014/main" id="{9FF0B250-4E45-82A1-FEB9-BA4732A99CEC}"/>
               </a:ext>
             </a:extLst>
           </p:cNvPr>
@@ -1526,7 +1526,7 @@
           <p:cNvPr id="3" name="文本占位符 2">
             <a:extLst>
               <a:ext uri="{FF2B5EF4-FFF2-40B4-BE49-F238E27FC236}">
-                <a16:creationId xmlns:a16="http://schemas.microsoft.com/office/drawing/2014/main" id="{61556465-76A5-1259-FC9D-CDFC55C67C01}"/>
+                <a16:creationId xmlns:a16="http://schemas.microsoft.com/office/drawing/2014/main" id="{B81EBE58-C02C-AF44-E1ED-6838FCAE49CD}"/>
               </a:ext>
             </a:extLst>
           </p:cNvPr>
@@ -1597,7 +1597,7 @@
           <p:cNvPr id="4" name="内容占位符 3">
             <a:extLst>
               <a:ext uri="{FF2B5EF4-FFF2-40B4-BE49-F238E27FC236}">
-                <a16:creationId xmlns:a16="http://schemas.microsoft.com/office/drawing/2014/main" id="{6F9EBC05-1057-85B8-2D65-10FB7FB3C9D7}"/>
+                <a16:creationId xmlns:a16="http://schemas.microsoft.com/office/drawing/2014/main" id="{2890F1B7-440D-B448-193E-3D5F458EE559}"/>
               </a:ext>
             </a:extLst>
           </p:cNvPr>
@@ -1659,7 +1659,7 @@
           <p:cNvPr id="5" name="文本占位符 4">
             <a:extLst>
               <a:ext uri="{FF2B5EF4-FFF2-40B4-BE49-F238E27FC236}">
-                <a16:creationId xmlns:a16="http://schemas.microsoft.com/office/drawing/2014/main" id="{615F6949-A451-E00F-1E24-FF77D3934EF9}"/>
+                <a16:creationId xmlns:a16="http://schemas.microsoft.com/office/drawing/2014/main" id="{4EB44BFE-B506-F2A4-BDAC-E60C578FD04E}"/>
               </a:ext>
             </a:extLst>
           </p:cNvPr>
@@ -1730,7 +1730,7 @@
           <p:cNvPr id="6" name="内容占位符 5">
             <a:extLst>
               <a:ext uri="{FF2B5EF4-FFF2-40B4-BE49-F238E27FC236}">
-                <a16:creationId xmlns:a16="http://schemas.microsoft.com/office/drawing/2014/main" id="{DF9569FB-3236-89E5-931C-18EE2C5256AE}"/>
+                <a16:creationId xmlns:a16="http://schemas.microsoft.com/office/drawing/2014/main" id="{BF987F18-E921-C5B8-88C1-3932D9F116DF}"/>
               </a:ext>
             </a:extLst>
           </p:cNvPr>
@@ -1792,7 +1792,7 @@
           <p:cNvPr id="7" name="日期占位符 6">
             <a:extLst>
               <a:ext uri="{FF2B5EF4-FFF2-40B4-BE49-F238E27FC236}">
-                <a16:creationId xmlns:a16="http://schemas.microsoft.com/office/drawing/2014/main" id="{C4355E20-C716-F4F8-D05E-B58FFA9596A8}"/>
+                <a16:creationId xmlns:a16="http://schemas.microsoft.com/office/drawing/2014/main" id="{3887C235-1A18-CFC7-8E62-49DD8472731D}"/>
               </a:ext>
             </a:extLst>
           </p:cNvPr>
@@ -1808,7 +1808,7 @@
           <a:bodyPr/>
           <a:lstStyle/>
           <a:p>
-            <a:fld id="{3B9E55E3-4CB5-4C1E-B1BE-E2B896B461DB}" type="datetimeFigureOut">
+            <a:fld id="{E20BA0A3-E295-48F5-8A8A-CE46357BB450}" type="datetimeFigureOut">
               <a:rPr lang="zh-CN" altLang="en-US" smtClean="0"/>
               <a:t>2024/3/10</a:t>
             </a:fld>
@@ -1821,7 +1821,7 @@
           <p:cNvPr id="8" name="页脚占位符 7">
             <a:extLst>
               <a:ext uri="{FF2B5EF4-FFF2-40B4-BE49-F238E27FC236}">
-                <a16:creationId xmlns:a16="http://schemas.microsoft.com/office/drawing/2014/main" id="{E827BE1A-7080-7E0D-2FD9-5C1C5227B383}"/>
+                <a16:creationId xmlns:a16="http://schemas.microsoft.com/office/drawing/2014/main" id="{C31102EE-D152-6EAC-BDA2-482C56A8E55E}"/>
               </a:ext>
             </a:extLst>
           </p:cNvPr>
@@ -1846,7 +1846,7 @@
           <p:cNvPr id="9" name="灯片编号占位符 8">
             <a:extLst>
               <a:ext uri="{FF2B5EF4-FFF2-40B4-BE49-F238E27FC236}">
-                <a16:creationId xmlns:a16="http://schemas.microsoft.com/office/drawing/2014/main" id="{F85DF31F-E2B3-7F12-0931-9AB5C1239CAE}"/>
+                <a16:creationId xmlns:a16="http://schemas.microsoft.com/office/drawing/2014/main" id="{4562FAA8-0C37-E3E9-3DA8-4243896438E4}"/>
               </a:ext>
             </a:extLst>
           </p:cNvPr>
@@ -1862,7 +1862,7 @@
           <a:bodyPr/>
           <a:lstStyle/>
           <a:p>
-            <a:fld id="{DFABE018-A77E-4AC3-8CCD-BF3B7B1A0ED1}" type="slidenum">
+            <a:fld id="{4976C1EA-C1E1-4803-98B4-EDE5CB4E9A3B}" type="slidenum">
               <a:rPr lang="zh-CN" altLang="en-US" smtClean="0"/>
               <a:t>‹#›</a:t>
             </a:fld>
@@ -1873,7 +1873,7 @@
     </p:spTree>
     <p:extLst>
       <p:ext uri="{BB962C8B-B14F-4D97-AF65-F5344CB8AC3E}">
-        <p14:creationId xmlns:p14="http://schemas.microsoft.com/office/powerpoint/2010/main" val="1528727221"/>
+        <p14:creationId xmlns:p14="http://schemas.microsoft.com/office/powerpoint/2010/main" val="838348483"/>
       </p:ext>
     </p:extLst>
   </p:cSld>
@@ -1905,7 +1905,7 @@
           <p:cNvPr id="2" name="标题 1">
             <a:extLst>
               <a:ext uri="{FF2B5EF4-FFF2-40B4-BE49-F238E27FC236}">
-                <a16:creationId xmlns:a16="http://schemas.microsoft.com/office/drawing/2014/main" id="{D176610F-13AA-1D8C-25DF-D4332C1856CA}"/>
+                <a16:creationId xmlns:a16="http://schemas.microsoft.com/office/drawing/2014/main" id="{E969A086-D47A-2515-2BD0-9D772D43004F}"/>
               </a:ext>
             </a:extLst>
           </p:cNvPr>
@@ -1933,7 +1933,7 @@
           <p:cNvPr id="3" name="日期占位符 2">
             <a:extLst>
               <a:ext uri="{FF2B5EF4-FFF2-40B4-BE49-F238E27FC236}">
-                <a16:creationId xmlns:a16="http://schemas.microsoft.com/office/drawing/2014/main" id="{054BD200-A587-869E-4195-416C62A9D67A}"/>
+                <a16:creationId xmlns:a16="http://schemas.microsoft.com/office/drawing/2014/main" id="{07DB4D27-A8C5-775F-DA43-E2DDD5582BE4}"/>
               </a:ext>
             </a:extLst>
           </p:cNvPr>
@@ -1949,7 +1949,7 @@
           <a:bodyPr/>
           <a:lstStyle/>
           <a:p>
-            <a:fld id="{3B9E55E3-4CB5-4C1E-B1BE-E2B896B461DB}" type="datetimeFigureOut">
+            <a:fld id="{E20BA0A3-E295-48F5-8A8A-CE46357BB450}" type="datetimeFigureOut">
               <a:rPr lang="zh-CN" altLang="en-US" smtClean="0"/>
               <a:t>2024/3/10</a:t>
             </a:fld>
@@ -1962,7 +1962,7 @@
           <p:cNvPr id="4" name="页脚占位符 3">
             <a:extLst>
               <a:ext uri="{FF2B5EF4-FFF2-40B4-BE49-F238E27FC236}">
-                <a16:creationId xmlns:a16="http://schemas.microsoft.com/office/drawing/2014/main" id="{17D2058E-B1F9-AD4B-4AAD-A089B247A24E}"/>
+                <a16:creationId xmlns:a16="http://schemas.microsoft.com/office/drawing/2014/main" id="{D56B9802-648F-D5C7-6FCB-D175A145A0F6}"/>
               </a:ext>
             </a:extLst>
           </p:cNvPr>
@@ -1987,7 +1987,7 @@
           <p:cNvPr id="5" name="灯片编号占位符 4">
             <a:extLst>
               <a:ext uri="{FF2B5EF4-FFF2-40B4-BE49-F238E27FC236}">
-                <a16:creationId xmlns:a16="http://schemas.microsoft.com/office/drawing/2014/main" id="{377F4E07-9875-CAA5-445D-9BA929C0BAA8}"/>
+                <a16:creationId xmlns:a16="http://schemas.microsoft.com/office/drawing/2014/main" id="{7A897B71-7D60-AE19-556D-35A1E73C7CE1}"/>
               </a:ext>
             </a:extLst>
           </p:cNvPr>
@@ -2003,7 +2003,7 @@
           <a:bodyPr/>
           <a:lstStyle/>
           <a:p>
-            <a:fld id="{DFABE018-A77E-4AC3-8CCD-BF3B7B1A0ED1}" type="slidenum">
+            <a:fld id="{4976C1EA-C1E1-4803-98B4-EDE5CB4E9A3B}" type="slidenum">
               <a:rPr lang="zh-CN" altLang="en-US" smtClean="0"/>
               <a:t>‹#›</a:t>
             </a:fld>
@@ -2014,7 +2014,7 @@
     </p:spTree>
     <p:extLst>
       <p:ext uri="{BB962C8B-B14F-4D97-AF65-F5344CB8AC3E}">
-        <p14:creationId xmlns:p14="http://schemas.microsoft.com/office/powerpoint/2010/main" val="71596813"/>
+        <p14:creationId xmlns:p14="http://schemas.microsoft.com/office/powerpoint/2010/main" val="2474630809"/>
       </p:ext>
     </p:extLst>
   </p:cSld>
@@ -2046,7 +2046,7 @@
           <p:cNvPr id="2" name="日期占位符 1">
             <a:extLst>
               <a:ext uri="{FF2B5EF4-FFF2-40B4-BE49-F238E27FC236}">
-                <a16:creationId xmlns:a16="http://schemas.microsoft.com/office/drawing/2014/main" id="{3A73A054-B679-4250-8285-29D1B9DEE9F3}"/>
+                <a16:creationId xmlns:a16="http://schemas.microsoft.com/office/drawing/2014/main" id="{EA53EFD1-D367-4C26-5337-EDB14C27FEAF}"/>
               </a:ext>
             </a:extLst>
           </p:cNvPr>
@@ -2062,7 +2062,7 @@
           <a:bodyPr/>
           <a:lstStyle/>
           <a:p>
-            <a:fld id="{3B9E55E3-4CB5-4C1E-B1BE-E2B896B461DB}" type="datetimeFigureOut">
+            <a:fld id="{E20BA0A3-E295-48F5-8A8A-CE46357BB450}" type="datetimeFigureOut">
               <a:rPr lang="zh-CN" altLang="en-US" smtClean="0"/>
               <a:t>2024/3/10</a:t>
             </a:fld>
@@ -2075,7 +2075,7 @@
           <p:cNvPr id="3" name="页脚占位符 2">
             <a:extLst>
               <a:ext uri="{FF2B5EF4-FFF2-40B4-BE49-F238E27FC236}">
-                <a16:creationId xmlns:a16="http://schemas.microsoft.com/office/drawing/2014/main" id="{053B6106-BD0F-9B6D-ABAF-28DC8C585B0C}"/>
+                <a16:creationId xmlns:a16="http://schemas.microsoft.com/office/drawing/2014/main" id="{F54D21EF-3EF8-53B3-5265-6A5F04B31AFE}"/>
               </a:ext>
             </a:extLst>
           </p:cNvPr>
@@ -2100,7 +2100,7 @@
           <p:cNvPr id="4" name="灯片编号占位符 3">
             <a:extLst>
               <a:ext uri="{FF2B5EF4-FFF2-40B4-BE49-F238E27FC236}">
-                <a16:creationId xmlns:a16="http://schemas.microsoft.com/office/drawing/2014/main" id="{3AFCFA6F-0BF1-09FC-A4AC-CF7925F2BB9C}"/>
+                <a16:creationId xmlns:a16="http://schemas.microsoft.com/office/drawing/2014/main" id="{11F8CADC-A128-792A-3E3C-A418F342A4E5}"/>
               </a:ext>
             </a:extLst>
           </p:cNvPr>
@@ -2116,7 +2116,7 @@
           <a:bodyPr/>
           <a:lstStyle/>
           <a:p>
-            <a:fld id="{DFABE018-A77E-4AC3-8CCD-BF3B7B1A0ED1}" type="slidenum">
+            <a:fld id="{4976C1EA-C1E1-4803-98B4-EDE5CB4E9A3B}" type="slidenum">
               <a:rPr lang="zh-CN" altLang="en-US" smtClean="0"/>
               <a:t>‹#›</a:t>
             </a:fld>
@@ -2127,7 +2127,7 @@
     </p:spTree>
     <p:extLst>
       <p:ext uri="{BB962C8B-B14F-4D97-AF65-F5344CB8AC3E}">
-        <p14:creationId xmlns:p14="http://schemas.microsoft.com/office/powerpoint/2010/main" val="1436960238"/>
+        <p14:creationId xmlns:p14="http://schemas.microsoft.com/office/powerpoint/2010/main" val="3220010925"/>
       </p:ext>
     </p:extLst>
   </p:cSld>
@@ -2159,7 +2159,7 @@
           <p:cNvPr id="2" name="标题 1">
             <a:extLst>
               <a:ext uri="{FF2B5EF4-FFF2-40B4-BE49-F238E27FC236}">
-                <a16:creationId xmlns:a16="http://schemas.microsoft.com/office/drawing/2014/main" id="{7EA48CE3-828F-A261-912A-0DFC7AFA1B1E}"/>
+                <a16:creationId xmlns:a16="http://schemas.microsoft.com/office/drawing/2014/main" id="{FF4DFF94-477B-BF3B-5B22-DBCB9123B501}"/>
               </a:ext>
             </a:extLst>
           </p:cNvPr>
@@ -2196,7 +2196,7 @@
           <p:cNvPr id="3" name="内容占位符 2">
             <a:extLst>
               <a:ext uri="{FF2B5EF4-FFF2-40B4-BE49-F238E27FC236}">
-                <a16:creationId xmlns:a16="http://schemas.microsoft.com/office/drawing/2014/main" id="{96C23BEF-5CC7-0F5F-F0DA-0B97D93B4722}"/>
+                <a16:creationId xmlns:a16="http://schemas.microsoft.com/office/drawing/2014/main" id="{3F062FE8-3803-A0D2-6C95-1125E1F8F9E5}"/>
               </a:ext>
             </a:extLst>
           </p:cNvPr>
@@ -2286,7 +2286,7 @@
           <p:cNvPr id="4" name="文本占位符 3">
             <a:extLst>
               <a:ext uri="{FF2B5EF4-FFF2-40B4-BE49-F238E27FC236}">
-                <a16:creationId xmlns:a16="http://schemas.microsoft.com/office/drawing/2014/main" id="{BAAEE00C-A580-C7C2-7204-8347D2E4784C}"/>
+                <a16:creationId xmlns:a16="http://schemas.microsoft.com/office/drawing/2014/main" id="{30A31844-C375-80A1-8009-279C4E06BD98}"/>
               </a:ext>
             </a:extLst>
           </p:cNvPr>
@@ -2357,7 +2357,7 @@
           <p:cNvPr id="5" name="日期占位符 4">
             <a:extLst>
               <a:ext uri="{FF2B5EF4-FFF2-40B4-BE49-F238E27FC236}">
-                <a16:creationId xmlns:a16="http://schemas.microsoft.com/office/drawing/2014/main" id="{52726165-C121-FA60-5F68-31DF245BAB70}"/>
+                <a16:creationId xmlns:a16="http://schemas.microsoft.com/office/drawing/2014/main" id="{07F45EC7-7C30-5105-CED3-8731497CB1CD}"/>
               </a:ext>
             </a:extLst>
           </p:cNvPr>
@@ -2373,7 +2373,7 @@
           <a:bodyPr/>
           <a:lstStyle/>
           <a:p>
-            <a:fld id="{3B9E55E3-4CB5-4C1E-B1BE-E2B896B461DB}" type="datetimeFigureOut">
+            <a:fld id="{E20BA0A3-E295-48F5-8A8A-CE46357BB450}" type="datetimeFigureOut">
               <a:rPr lang="zh-CN" altLang="en-US" smtClean="0"/>
               <a:t>2024/3/10</a:t>
             </a:fld>
@@ -2386,7 +2386,7 @@
           <p:cNvPr id="6" name="页脚占位符 5">
             <a:extLst>
               <a:ext uri="{FF2B5EF4-FFF2-40B4-BE49-F238E27FC236}">
-                <a16:creationId xmlns:a16="http://schemas.microsoft.com/office/drawing/2014/main" id="{52D47B95-3330-28C0-BC80-2C376A373DF7}"/>
+                <a16:creationId xmlns:a16="http://schemas.microsoft.com/office/drawing/2014/main" id="{81B924DB-95C0-F20B-BD96-DEC510819C9D}"/>
               </a:ext>
             </a:extLst>
           </p:cNvPr>
@@ -2411,7 +2411,7 @@
           <p:cNvPr id="7" name="灯片编号占位符 6">
             <a:extLst>
               <a:ext uri="{FF2B5EF4-FFF2-40B4-BE49-F238E27FC236}">
-                <a16:creationId xmlns:a16="http://schemas.microsoft.com/office/drawing/2014/main" id="{E4C383EA-A173-D5D5-92B1-D211749AEA9B}"/>
+                <a16:creationId xmlns:a16="http://schemas.microsoft.com/office/drawing/2014/main" id="{C2CE375E-CA33-945C-5C1C-CC4600C8592C}"/>
               </a:ext>
             </a:extLst>
           </p:cNvPr>
@@ -2427,7 +2427,7 @@
           <a:bodyPr/>
           <a:lstStyle/>
           <a:p>
-            <a:fld id="{DFABE018-A77E-4AC3-8CCD-BF3B7B1A0ED1}" type="slidenum">
+            <a:fld id="{4976C1EA-C1E1-4803-98B4-EDE5CB4E9A3B}" type="slidenum">
               <a:rPr lang="zh-CN" altLang="en-US" smtClean="0"/>
               <a:t>‹#›</a:t>
             </a:fld>
@@ -2438,7 +2438,7 @@
     </p:spTree>
     <p:extLst>
       <p:ext uri="{BB962C8B-B14F-4D97-AF65-F5344CB8AC3E}">
-        <p14:creationId xmlns:p14="http://schemas.microsoft.com/office/powerpoint/2010/main" val="3747597485"/>
+        <p14:creationId xmlns:p14="http://schemas.microsoft.com/office/powerpoint/2010/main" val="1373479676"/>
       </p:ext>
     </p:extLst>
   </p:cSld>
@@ -2470,7 +2470,7 @@
           <p:cNvPr id="2" name="标题 1">
             <a:extLst>
               <a:ext uri="{FF2B5EF4-FFF2-40B4-BE49-F238E27FC236}">
-                <a16:creationId xmlns:a16="http://schemas.microsoft.com/office/drawing/2014/main" id="{43470F8D-32F9-B93B-CA2E-4AF2ECA904F6}"/>
+                <a16:creationId xmlns:a16="http://schemas.microsoft.com/office/drawing/2014/main" id="{8636E28C-373B-5FA2-296C-038ED8550C17}"/>
               </a:ext>
             </a:extLst>
           </p:cNvPr>
@@ -2507,7 +2507,7 @@
           <p:cNvPr id="3" name="图片占位符 2">
             <a:extLst>
               <a:ext uri="{FF2B5EF4-FFF2-40B4-BE49-F238E27FC236}">
-                <a16:creationId xmlns:a16="http://schemas.microsoft.com/office/drawing/2014/main" id="{FA0E5143-13CC-9186-B64D-3FF0A94A425A}"/>
+                <a16:creationId xmlns:a16="http://schemas.microsoft.com/office/drawing/2014/main" id="{70EFD1F7-E382-00C5-763C-7343EAD93CA9}"/>
               </a:ext>
             </a:extLst>
           </p:cNvPr>
@@ -2574,7 +2574,7 @@
           <p:cNvPr id="4" name="文本占位符 3">
             <a:extLst>
               <a:ext uri="{FF2B5EF4-FFF2-40B4-BE49-F238E27FC236}">
-                <a16:creationId xmlns:a16="http://schemas.microsoft.com/office/drawing/2014/main" id="{8680209F-4209-8ADC-5711-2C2954D6BB22}"/>
+                <a16:creationId xmlns:a16="http://schemas.microsoft.com/office/drawing/2014/main" id="{3ECAA59B-8673-E42F-2E4A-C07D6A5ADF31}"/>
               </a:ext>
             </a:extLst>
           </p:cNvPr>
@@ -2645,7 +2645,7 @@
           <p:cNvPr id="5" name="日期占位符 4">
             <a:extLst>
               <a:ext uri="{FF2B5EF4-FFF2-40B4-BE49-F238E27FC236}">
-                <a16:creationId xmlns:a16="http://schemas.microsoft.com/office/drawing/2014/main" id="{5EF0727B-C4FE-ED7B-2EB7-9F5D0239C97E}"/>
+                <a16:creationId xmlns:a16="http://schemas.microsoft.com/office/drawing/2014/main" id="{668F0696-4620-23F4-ECC0-13E94FEF0C3F}"/>
               </a:ext>
             </a:extLst>
           </p:cNvPr>
@@ -2661,7 +2661,7 @@
           <a:bodyPr/>
           <a:lstStyle/>
           <a:p>
-            <a:fld id="{3B9E55E3-4CB5-4C1E-B1BE-E2B896B461DB}" type="datetimeFigureOut">
+            <a:fld id="{E20BA0A3-E295-48F5-8A8A-CE46357BB450}" type="datetimeFigureOut">
               <a:rPr lang="zh-CN" altLang="en-US" smtClean="0"/>
               <a:t>2024/3/10</a:t>
             </a:fld>
@@ -2674,7 +2674,7 @@
           <p:cNvPr id="6" name="页脚占位符 5">
             <a:extLst>
               <a:ext uri="{FF2B5EF4-FFF2-40B4-BE49-F238E27FC236}">
-                <a16:creationId xmlns:a16="http://schemas.microsoft.com/office/drawing/2014/main" id="{17604B33-D86B-3820-C8FB-ADEBCF677EC6}"/>
+                <a16:creationId xmlns:a16="http://schemas.microsoft.com/office/drawing/2014/main" id="{582DF519-CFB4-ACA5-9282-E459F2F538C9}"/>
               </a:ext>
             </a:extLst>
           </p:cNvPr>
@@ -2699,7 +2699,7 @@
           <p:cNvPr id="7" name="灯片编号占位符 6">
             <a:extLst>
               <a:ext uri="{FF2B5EF4-FFF2-40B4-BE49-F238E27FC236}">
-                <a16:creationId xmlns:a16="http://schemas.microsoft.com/office/drawing/2014/main" id="{3190A45D-8EA6-21A3-FC1C-EA05638CC636}"/>
+                <a16:creationId xmlns:a16="http://schemas.microsoft.com/office/drawing/2014/main" id="{FAC59C1C-F171-D2ED-A5AD-41AA6005B8A6}"/>
               </a:ext>
             </a:extLst>
           </p:cNvPr>
@@ -2715,7 +2715,7 @@
           <a:bodyPr/>
           <a:lstStyle/>
           <a:p>
-            <a:fld id="{DFABE018-A77E-4AC3-8CCD-BF3B7B1A0ED1}" type="slidenum">
+            <a:fld id="{4976C1EA-C1E1-4803-98B4-EDE5CB4E9A3B}" type="slidenum">
               <a:rPr lang="zh-CN" altLang="en-US" smtClean="0"/>
               <a:t>‹#›</a:t>
             </a:fld>
@@ -2726,7 +2726,7 @@
     </p:spTree>
     <p:extLst>
       <p:ext uri="{BB962C8B-B14F-4D97-AF65-F5344CB8AC3E}">
-        <p14:creationId xmlns:p14="http://schemas.microsoft.com/office/powerpoint/2010/main" val="2227631928"/>
+        <p14:creationId xmlns:p14="http://schemas.microsoft.com/office/powerpoint/2010/main" val="232639363"/>
       </p:ext>
     </p:extLst>
   </p:cSld>
@@ -2763,7 +2763,7 @@
           <p:cNvPr id="2" name="标题占位符 1">
             <a:extLst>
               <a:ext uri="{FF2B5EF4-FFF2-40B4-BE49-F238E27FC236}">
-                <a16:creationId xmlns:a16="http://schemas.microsoft.com/office/drawing/2014/main" id="{3D0A2B7A-A3E8-3B21-9D4B-73943FCA2282}"/>
+                <a16:creationId xmlns:a16="http://schemas.microsoft.com/office/drawing/2014/main" id="{2060637C-9B70-D979-3FB7-AC42FA90650C}"/>
               </a:ext>
             </a:extLst>
           </p:cNvPr>
@@ -2801,7 +2801,7 @@
           <p:cNvPr id="3" name="文本占位符 2">
             <a:extLst>
               <a:ext uri="{FF2B5EF4-FFF2-40B4-BE49-F238E27FC236}">
-                <a16:creationId xmlns:a16="http://schemas.microsoft.com/office/drawing/2014/main" id="{095405EB-D19E-BAE3-1B51-36AD21FC310F}"/>
+                <a16:creationId xmlns:a16="http://schemas.microsoft.com/office/drawing/2014/main" id="{05BE52C7-DE61-FFA3-A7A3-40ECDEF6B037}"/>
               </a:ext>
             </a:extLst>
           </p:cNvPr>
@@ -2868,7 +2868,7 @@
           <p:cNvPr id="4" name="日期占位符 3">
             <a:extLst>
               <a:ext uri="{FF2B5EF4-FFF2-40B4-BE49-F238E27FC236}">
-                <a16:creationId xmlns:a16="http://schemas.microsoft.com/office/drawing/2014/main" id="{7289F9A5-24B2-C543-CD33-DA5063C54C0B}"/>
+                <a16:creationId xmlns:a16="http://schemas.microsoft.com/office/drawing/2014/main" id="{60A7FD23-515A-90A7-4596-1C8701DBFECD}"/>
               </a:ext>
             </a:extLst>
           </p:cNvPr>
@@ -2902,7 +2902,7 @@
             </a:lvl1pPr>
           </a:lstStyle>
           <a:p>
-            <a:fld id="{3B9E55E3-4CB5-4C1E-B1BE-E2B896B461DB}" type="datetimeFigureOut">
+            <a:fld id="{E20BA0A3-E295-48F5-8A8A-CE46357BB450}" type="datetimeFigureOut">
               <a:rPr lang="zh-CN" altLang="en-US" smtClean="0"/>
               <a:t>2024/3/10</a:t>
             </a:fld>
@@ -2915,7 +2915,7 @@
           <p:cNvPr id="5" name="页脚占位符 4">
             <a:extLst>
               <a:ext uri="{FF2B5EF4-FFF2-40B4-BE49-F238E27FC236}">
-                <a16:creationId xmlns:a16="http://schemas.microsoft.com/office/drawing/2014/main" id="{CBEDD832-B11C-3543-3D3B-75B5E8861A86}"/>
+                <a16:creationId xmlns:a16="http://schemas.microsoft.com/office/drawing/2014/main" id="{763967B6-D3FB-0352-3AC8-6515BAE97663}"/>
               </a:ext>
             </a:extLst>
           </p:cNvPr>
@@ -2958,7 +2958,7 @@
           <p:cNvPr id="6" name="灯片编号占位符 5">
             <a:extLst>
               <a:ext uri="{FF2B5EF4-FFF2-40B4-BE49-F238E27FC236}">
-                <a16:creationId xmlns:a16="http://schemas.microsoft.com/office/drawing/2014/main" id="{536AD76C-27CE-01E5-B9F8-F84A973961CF}"/>
+                <a16:creationId xmlns:a16="http://schemas.microsoft.com/office/drawing/2014/main" id="{39A177D5-1C25-8706-1345-302F02E71AE2}"/>
               </a:ext>
             </a:extLst>
           </p:cNvPr>
@@ -2992,7 +2992,7 @@
             </a:lvl1pPr>
           </a:lstStyle>
           <a:p>
-            <a:fld id="{DFABE018-A77E-4AC3-8CCD-BF3B7B1A0ED1}" type="slidenum">
+            <a:fld id="{4976C1EA-C1E1-4803-98B4-EDE5CB4E9A3B}" type="slidenum">
               <a:rPr lang="zh-CN" altLang="en-US" smtClean="0"/>
               <a:t>‹#›</a:t>
             </a:fld>
@@ -3003,7 +3003,7 @@
     </p:spTree>
     <p:extLst>
       <p:ext uri="{BB962C8B-B14F-4D97-AF65-F5344CB8AC3E}">
-        <p14:creationId xmlns:p14="http://schemas.microsoft.com/office/powerpoint/2010/main" val="1489457296"/>
+        <p14:creationId xmlns:p14="http://schemas.microsoft.com/office/powerpoint/2010/main" val="4264077705"/>
       </p:ext>
     </p:extLst>
   </p:cSld>
@@ -3323,7 +3323,7 @@
       </p:grpSpPr>
       <p:pic>
         <p:nvPicPr>
-          <p:cNvPr id="1259522" name="Picture 2" descr="1229"/>
+          <p:cNvPr id="1260546" name="Picture 2" descr="1230"/>
           <p:cNvPicPr>
             <a:picLocks noChangeAspect="1" noChangeArrowheads="1"/>
           </p:cNvPicPr>
